--- a/doc/Elasticsearch 技术分享.pptx
+++ b/doc/Elasticsearch 技术分享.pptx
@@ -5,10 +5,10 @@
     <p:sldMasterId id="2147483684" r:id="rId4"/>
   </p:sldMasterIdLst>
   <p:notesMasterIdLst>
-    <p:notesMasterId r:id="rId37"/>
+    <p:notesMasterId r:id="rId39"/>
   </p:notesMasterIdLst>
   <p:handoutMasterIdLst>
-    <p:handoutMasterId r:id="rId38"/>
+    <p:handoutMasterId r:id="rId40"/>
   </p:handoutMasterIdLst>
   <p:sldIdLst>
     <p:sldId id="265" r:id="rId5"/>
@@ -42,7 +42,9 @@
     <p:sldId id="298" r:id="rId33"/>
     <p:sldId id="296" r:id="rId34"/>
     <p:sldId id="297" r:id="rId35"/>
-    <p:sldId id="290" r:id="rId36"/>
+    <p:sldId id="299" r:id="rId36"/>
+    <p:sldId id="300" r:id="rId37"/>
+    <p:sldId id="290" r:id="rId38"/>
   </p:sldIdLst>
   <p:sldSz cx="12192000" cy="6858000"/>
   <p:notesSz cx="6858000" cy="9144000"/>
@@ -253,7 +255,7 @@
                 <a:latin typeface="Microsoft YaHei UI" panose="020B0503020204020204" pitchFamily="34" charset="-122"/>
                 <a:ea typeface="Microsoft YaHei UI" panose="020B0503020204020204" pitchFamily="34" charset="-122"/>
               </a:rPr>
-              <a:t>2017/10/23</a:t>
+              <a:t>2017/10/26</a:t>
             </a:fld>
             <a:endParaRPr lang="en-US">
               <a:latin typeface="Microsoft YaHei UI" panose="020B0503020204020204" pitchFamily="34" charset="-122"/>
@@ -435,7 +437,7 @@
             <a:pPr rtl="0"/>
             <a:fld id="{13947666-27B0-4F0D-BA3A-14969DEE0567}" type="datetime1">
               <a:rPr lang="zh-CN" altLang="en-US" noProof="0" smtClean="0"/>
-              <a:t>2017/10/23</a:t>
+              <a:t>2017/10/26</a:t>
             </a:fld>
             <a:endParaRPr lang="zh-CN" altLang="en-US" noProof="0" dirty="0"/>
           </a:p>
@@ -1186,7 +1188,7 @@
             <a:pPr rtl="0"/>
             <a:fld id="{710F1F3A-A84F-49CD-BF3F-8340ED36CC80}" type="datetime1">
               <a:rPr lang="zh-CN" altLang="en-US" noProof="0" smtClean="0"/>
-              <a:t>2017/10/23</a:t>
+              <a:t>2017/10/26</a:t>
             </a:fld>
             <a:endParaRPr lang="zh-CN" altLang="en-US" noProof="0" dirty="0"/>
           </a:p>
@@ -1380,7 +1382,7 @@
             <a:pPr rtl="0"/>
             <a:fld id="{E64F2440-1346-494E-AA97-2A9A1AAF4C1C}" type="datetime1">
               <a:rPr lang="zh-CN" altLang="en-US" smtClean="0"/>
-              <a:t>2017/10/23</a:t>
+              <a:t>2017/10/26</a:t>
             </a:fld>
             <a:endParaRPr lang="en-US"/>
           </a:p>
@@ -1579,7 +1581,7 @@
             <a:pPr rtl="0"/>
             <a:fld id="{77D6F466-F443-441E-ABBF-26DACD55B3D0}" type="datetime1">
               <a:rPr lang="zh-CN" altLang="en-US" smtClean="0"/>
-              <a:t>2017/10/23</a:t>
+              <a:t>2017/10/26</a:t>
             </a:fld>
             <a:endParaRPr lang="en-US"/>
           </a:p>
@@ -1856,7 +1858,7 @@
             <a:pPr rtl="0"/>
             <a:fld id="{20A24A68-F8E5-4D8D-94AA-9BD98894284D}" type="datetime1">
               <a:rPr lang="zh-CN" altLang="en-US" noProof="0" smtClean="0"/>
-              <a:t>2017/10/23</a:t>
+              <a:t>2017/10/26</a:t>
             </a:fld>
             <a:endParaRPr lang="zh-CN" altLang="en-US" noProof="0" dirty="0"/>
           </a:p>
@@ -2052,7 +2054,7 @@
             <a:pPr rtl="0"/>
             <a:fld id="{BE48D762-307D-4D78-A525-0F99C7F6EFE8}" type="datetime1">
               <a:rPr lang="zh-CN" altLang="en-US" noProof="0" smtClean="0"/>
-              <a:t>2017/10/23</a:t>
+              <a:t>2017/10/26</a:t>
             </a:fld>
             <a:endParaRPr lang="zh-CN" altLang="en-US" noProof="0" dirty="0"/>
           </a:p>
@@ -2263,7 +2265,7 @@
             <a:pPr rtl="0"/>
             <a:fld id="{399431D6-6B22-4D1E-B361-2D69B0EF1DB2}" type="datetime1">
               <a:rPr lang="zh-CN" altLang="en-US" noProof="0" smtClean="0"/>
-              <a:t>2017/10/23</a:t>
+              <a:t>2017/10/26</a:t>
             </a:fld>
             <a:endParaRPr lang="zh-CN" altLang="en-US" noProof="0" dirty="0"/>
           </a:p>
@@ -2570,7 +2572,7 @@
             <a:pPr rtl="0"/>
             <a:fld id="{EA5066DB-F878-4918-9C43-0CB3E30DFFE5}" type="datetime1">
               <a:rPr lang="zh-CN" altLang="en-US" smtClean="0"/>
-              <a:t>2017/10/23</a:t>
+              <a:t>2017/10/26</a:t>
             </a:fld>
             <a:endParaRPr lang="en-US"/>
           </a:p>
@@ -3032,7 +3034,7 @@
             <a:pPr rtl="0"/>
             <a:fld id="{25161401-7EA4-4A7D-AF0B-A9FF7BCA5F7F}" type="datetime1">
               <a:rPr lang="zh-CN" altLang="en-US" smtClean="0"/>
-              <a:t>2017/10/23</a:t>
+              <a:t>2017/10/26</a:t>
             </a:fld>
             <a:endParaRPr lang="en-US"/>
           </a:p>
@@ -3169,7 +3171,7 @@
             <a:pPr rtl="0"/>
             <a:fld id="{A3C20102-388D-45F8-BC61-B74AC3803321}" type="datetime1">
               <a:rPr lang="zh-CN" altLang="en-US" smtClean="0"/>
-              <a:t>2017/10/23</a:t>
+              <a:t>2017/10/26</a:t>
             </a:fld>
             <a:endParaRPr lang="en-US"/>
           </a:p>
@@ -3282,7 +3284,7 @@
             <a:pPr rtl="0"/>
             <a:fld id="{861B7093-D8E2-42A0-9C9D-DCA68181F385}" type="datetime1">
               <a:rPr lang="zh-CN" altLang="en-US" smtClean="0"/>
-              <a:t>2017/10/23</a:t>
+              <a:t>2017/10/26</a:t>
             </a:fld>
             <a:endParaRPr lang="en-US"/>
           </a:p>
@@ -3578,7 +3580,7 @@
             <a:pPr rtl="0"/>
             <a:fld id="{204DEA04-A6B2-4847-AAC8-1D3BAA0F7BFC}" type="datetime1">
               <a:rPr lang="zh-CN" altLang="en-US" smtClean="0"/>
-              <a:t>2017/10/23</a:t>
+              <a:t>2017/10/26</a:t>
             </a:fld>
             <a:endParaRPr lang="en-US"/>
           </a:p>
@@ -3855,7 +3857,7 @@
             <a:pPr rtl="0"/>
             <a:fld id="{3B98EA3C-499A-4D39-9A31-3DDA60E2167C}" type="datetime1">
               <a:rPr lang="zh-CN" altLang="en-US" smtClean="0"/>
-              <a:t>2017/10/23</a:t>
+              <a:t>2017/10/26</a:t>
             </a:fld>
             <a:endParaRPr lang="en-US"/>
           </a:p>
@@ -4097,7 +4099,7 @@
           <a:p>
             <a:fld id="{735557AE-F66A-4EF3-915B-771BE5CCD13F}" type="datetime1">
               <a:rPr lang="zh-CN" altLang="en-US" noProof="0" smtClean="0"/>
-              <a:t>2017/10/23</a:t>
+              <a:t>2017/10/26</a:t>
             </a:fld>
             <a:endParaRPr lang="zh-CN" altLang="en-US" noProof="0" dirty="0"/>
           </a:p>
@@ -4617,13 +4619,28 @@
         </p:nvSpPr>
         <p:spPr/>
         <p:txBody>
-          <a:bodyPr rtlCol="0"/>
+          <a:bodyPr rtlCol="0">
+            <a:normAutofit/>
+          </a:bodyPr>
           <a:lstStyle/>
           <a:p>
             <a:r>
               <a:rPr lang="zh-CN" altLang="en-US" dirty="0" smtClean="0"/>
-              <a:t>技术分享</a:t>
-            </a:r>
+              <a:t>技术</a:t>
+            </a:r>
+            <a:r>
+              <a:rPr lang="zh-CN" altLang="en-US" dirty="0" smtClean="0"/>
+              <a:t>分享</a:t>
+            </a:r>
+            <a:endParaRPr lang="en-US" altLang="zh-CN" dirty="0" smtClean="0"/>
+          </a:p>
+          <a:p>
+            <a:endParaRPr lang="en-US" altLang="zh-CN" dirty="0"/>
+          </a:p>
+          <a:p>
+            <a:endParaRPr lang="en-US" altLang="zh-CN" dirty="0" smtClean="0"/>
+          </a:p>
+          <a:p>
             <a:endParaRPr lang="zh-CN" altLang="zh-CN" dirty="0"/>
           </a:p>
         </p:txBody>
@@ -7358,7 +7375,7 @@
           <a:graphicData uri="http://schemas.openxmlformats.org/presentationml/2006/ole">
             <mc:AlternateContent xmlns:mc="http://schemas.openxmlformats.org/markup-compatibility/2006">
               <mc:Choice xmlns:v="urn:schemas-microsoft-com:vml" Requires="v">
-                <p:oleObj spid="_x0000_s7211" name="Visio" r:id="rId3" imgW="5699265" imgH="6466500" progId="Visio.Drawing.11">
+                <p:oleObj spid="_x0000_s7212" name="Visio" r:id="rId3" imgW="5699265" imgH="6466500" progId="Visio.Drawing.11">
                   <p:embed/>
                 </p:oleObj>
               </mc:Choice>
@@ -7806,7 +7823,7 @@
           <a:graphicData uri="http://schemas.openxmlformats.org/presentationml/2006/ole">
             <mc:AlternateContent xmlns:mc="http://schemas.openxmlformats.org/markup-compatibility/2006">
               <mc:Choice xmlns:v="urn:schemas-microsoft-com:vml" Requires="v">
-                <p:oleObj spid="_x0000_s8231" name="Visio" r:id="rId3" imgW="5597695" imgH="7233300" progId="Visio.Drawing.11">
+                <p:oleObj spid="_x0000_s8232" name="Visio" r:id="rId3" imgW="5597695" imgH="7233300" progId="Visio.Drawing.11">
                   <p:embed/>
                 </p:oleObj>
               </mc:Choice>
@@ -8110,7 +8127,7 @@
           <a:graphicData uri="http://schemas.openxmlformats.org/presentationml/2006/ole">
             <mc:AlternateContent xmlns:mc="http://schemas.openxmlformats.org/markup-compatibility/2006">
               <mc:Choice xmlns:v="urn:schemas-microsoft-com:vml" Requires="v">
-                <p:oleObj spid="_x0000_s9256" name="Visio" r:id="rId4" imgW="6698216" imgH="1460160" progId="Visio.Drawing.11">
+                <p:oleObj spid="_x0000_s9257" name="Visio" r:id="rId4" imgW="6698216" imgH="1460160" progId="Visio.Drawing.11">
                   <p:embed/>
                 </p:oleObj>
               </mc:Choice>
@@ -15067,7 +15084,7 @@
           <a:graphicData uri="http://schemas.openxmlformats.org/presentationml/2006/ole">
             <mc:AlternateContent xmlns:mc="http://schemas.openxmlformats.org/markup-compatibility/2006">
               <mc:Choice xmlns:v="urn:schemas-microsoft-com:vml" Requires="v">
-                <p:oleObj spid="_x0000_s10275" name="Visio" r:id="rId3" imgW="10759665" imgH="8041680" progId="Visio.Drawing.11">
+                <p:oleObj spid="_x0000_s10276" name="Visio" r:id="rId3" imgW="10759665" imgH="8041680" progId="Visio.Drawing.11">
                   <p:embed/>
                 </p:oleObj>
               </mc:Choice>
@@ -15229,15 +15246,7 @@
             </a:r>
             <a:r>
               <a:rPr lang="zh-CN" altLang="en-US" sz="1600" dirty="0"/>
-              <a:t>左侧的</a:t>
-            </a:r>
-            <a:r>
-              <a:rPr lang="zh-CN" altLang="en-US" sz="1600" dirty="0"/>
-              <a:t>两</a:t>
-            </a:r>
-            <a:r>
-              <a:rPr lang="zh-CN" altLang="en-US" sz="1600" dirty="0"/>
-              <a:t>张图，我们可以看出，当请求</a:t>
+              <a:t>左侧的两张图，我们可以看出，当请求</a:t>
             </a:r>
             <a:r>
               <a:rPr lang="en-US" altLang="zh-CN" sz="1600" dirty="0"/>
@@ -15298,11 +15307,7 @@
             </a:pPr>
             <a:r>
               <a:rPr lang="zh-CN" altLang="zh-CN" sz="2100" b="1" dirty="0"/>
-              <a:t>解决</a:t>
-            </a:r>
-            <a:r>
-              <a:rPr lang="zh-CN" altLang="zh-CN" sz="2100" b="1" dirty="0"/>
-              <a:t>方案</a:t>
+              <a:t>解决方案</a:t>
             </a:r>
             <a:endParaRPr lang="en-US" altLang="zh-CN" sz="2100" b="1" dirty="0"/>
           </a:p>
@@ -15315,11 +15320,7 @@
             </a:pPr>
             <a:r>
               <a:rPr lang="zh-CN" altLang="zh-CN" sz="1600" dirty="0"/>
-              <a:t>尽可能</a:t>
-            </a:r>
-            <a:r>
-              <a:rPr lang="zh-CN" altLang="zh-CN" sz="1600" dirty="0"/>
-              <a:t>不要使用深度搜索，优化你的算法。</a:t>
+              <a:t>尽可能不要使用深度搜索，优化你的算法。</a:t>
             </a:r>
           </a:p>
           <a:p>
@@ -15355,7 +15356,7 @@
           <a:graphicData uri="http://schemas.openxmlformats.org/presentationml/2006/ole">
             <mc:AlternateContent xmlns:mc="http://schemas.openxmlformats.org/markup-compatibility/2006">
               <mc:Choice xmlns:v="urn:schemas-microsoft-com:vml" Requires="v">
-                <p:oleObj spid="_x0000_s11316" name="Visio" r:id="rId3" imgW="1687791" imgH="3775680" progId="Visio.Drawing.11">
+                <p:oleObj spid="_x0000_s11318" name="Visio" r:id="rId3" imgW="1687791" imgH="3775680" progId="Visio.Drawing.11">
                   <p:embed/>
                 </p:oleObj>
               </mc:Choice>
@@ -15425,7 +15426,7 @@
           <a:graphicData uri="http://schemas.openxmlformats.org/presentationml/2006/ole">
             <mc:AlternateContent xmlns:mc="http://schemas.openxmlformats.org/markup-compatibility/2006">
               <mc:Choice xmlns:v="urn:schemas-microsoft-com:vml" Requires="v">
-                <p:oleObj spid="_x0000_s11317" name="Visio" r:id="rId5" imgW="2008438" imgH="3937680" progId="Visio.Drawing.11">
+                <p:oleObj spid="_x0000_s11319" name="Visio" r:id="rId5" imgW="2008438" imgH="3937680" progId="Visio.Drawing.11">
                   <p:embed/>
                 </p:oleObj>
               </mc:Choice>
@@ -15764,11 +15765,7 @@
             </a:r>
             <a:r>
               <a:rPr lang="zh-CN" altLang="en-US" sz="1600" dirty="0"/>
-              <a:t>：该优化操作是否只清空打有删除标签的索引记录</a:t>
-            </a:r>
-            <a:r>
-              <a:rPr lang="zh-CN" altLang="en-US" sz="1600" dirty="0"/>
-              <a:t>。</a:t>
+              <a:t>：该优化操作是否只清空打有删除标签的索引记录。</a:t>
             </a:r>
             <a:endParaRPr lang="en-US" altLang="zh-CN" sz="1600" dirty="0"/>
           </a:p>
@@ -17727,6 +17724,597 @@
 </file>
 
 <file path=ppt/slides/slide32.xml><?xml version="1.0" encoding="utf-8"?>
+<p:sld xmlns:a="http://schemas.openxmlformats.org/drawingml/2006/main" xmlns:r="http://schemas.openxmlformats.org/officeDocument/2006/relationships" xmlns:p="http://schemas.openxmlformats.org/presentationml/2006/main">
+  <p:cSld>
+    <p:spTree>
+      <p:nvGrpSpPr>
+        <p:cNvPr id="1" name=""/>
+        <p:cNvGrpSpPr/>
+        <p:nvPr/>
+      </p:nvGrpSpPr>
+      <p:grpSpPr>
+        <a:xfrm>
+          <a:off x="0" y="0"/>
+          <a:ext cx="0" cy="0"/>
+          <a:chOff x="0" y="0"/>
+          <a:chExt cx="0" cy="0"/>
+        </a:xfrm>
+      </p:grpSpPr>
+      <p:sp>
+        <p:nvSpPr>
+          <p:cNvPr id="2" name="标题 1"/>
+          <p:cNvSpPr>
+            <a:spLocks noGrp="1"/>
+          </p:cNvSpPr>
+          <p:nvPr>
+            <p:ph type="title"/>
+          </p:nvPr>
+        </p:nvSpPr>
+        <p:spPr/>
+        <p:txBody>
+          <a:bodyPr>
+            <a:normAutofit fontScale="90000"/>
+          </a:bodyPr>
+          <a:lstStyle/>
+          <a:p>
+            <a:r>
+              <a:rPr lang="en-US" altLang="zh-CN" b="1" dirty="0"/>
+              <a:t>Search queue </a:t>
+            </a:r>
+            <a:r>
+              <a:rPr lang="zh-CN" altLang="zh-CN" b="1" dirty="0"/>
+              <a:t>满，大量</a:t>
+            </a:r>
+            <a:r>
+              <a:rPr lang="en-US" altLang="zh-CN" b="1" dirty="0"/>
+              <a:t>reject</a:t>
+            </a:r>
+            <a:r>
+              <a:rPr lang="zh-CN" altLang="zh-CN" b="1" dirty="0"/>
+              <a:t>报错</a:t>
+            </a:r>
+            <a:br>
+              <a:rPr lang="zh-CN" altLang="zh-CN" b="1" dirty="0"/>
+            </a:br>
+            <a:endParaRPr lang="zh-CN" altLang="en-US" dirty="0"/>
+          </a:p>
+        </p:txBody>
+      </p:sp>
+      <p:sp>
+        <p:nvSpPr>
+          <p:cNvPr id="5" name="Rectangle 1"/>
+          <p:cNvSpPr>
+            <a:spLocks noGrp="1" noChangeArrowheads="1"/>
+          </p:cNvSpPr>
+          <p:nvPr>
+            <p:ph sz="half" idx="1"/>
+          </p:nvPr>
+        </p:nvSpPr>
+        <p:spPr bwMode="auto">
+          <a:xfrm>
+            <a:off x="1569699" y="2163259"/>
+            <a:ext cx="9527791" cy="3676071"/>
+          </a:xfrm>
+          <a:prstGeom prst="rect">
+            <a:avLst/>
+          </a:prstGeom>
+          <a:noFill/>
+          <a:ln>
+            <a:noFill/>
+          </a:ln>
+          <a:effectLst/>
+        </p:spPr>
+        <p:txBody>
+          <a:bodyPr vert="horz" wrap="square" lIns="91440" tIns="45720" rIns="91440" bIns="0" numCol="1" anchor="ctr" anchorCtr="0" compatLnSpc="1">
+            <a:prstTxWarp prst="textNoShape">
+              <a:avLst/>
+            </a:prstTxWarp>
+            <a:spAutoFit/>
+          </a:bodyPr>
+          <a:lstStyle/>
+          <a:p>
+            <a:pPr marR="0" lvl="0" fontAlgn="base">
+              <a:lnSpc>
+                <a:spcPct val="150000"/>
+              </a:lnSpc>
+              <a:spcAft>
+                <a:spcPct val="0"/>
+              </a:spcAft>
+              <a:buSzTx/>
+              <a:tabLst/>
+            </a:pPr>
+            <a:r>
+              <a:rPr lang="en-US" altLang="zh-CN" sz="1500" dirty="0" err="1"/>
+              <a:t>Es</a:t>
+            </a:r>
+            <a:r>
+              <a:rPr lang="zh-CN" altLang="en-US" sz="1500" dirty="0"/>
+              <a:t>错误日志出现大量</a:t>
+            </a:r>
+            <a:r>
+              <a:rPr lang="en-US" altLang="zh-CN" sz="1500" dirty="0"/>
+              <a:t>reject error</a:t>
+            </a:r>
+            <a:r>
+              <a:rPr lang="zh-CN" altLang="en-US" sz="1500" dirty="0"/>
+              <a:t>，导致日志文件暴增。</a:t>
+            </a:r>
+          </a:p>
+          <a:p>
+            <a:pPr marR="0" lvl="0" fontAlgn="base">
+              <a:lnSpc>
+                <a:spcPct val="150000"/>
+              </a:lnSpc>
+              <a:spcAft>
+                <a:spcPct val="0"/>
+              </a:spcAft>
+              <a:buSzTx/>
+              <a:tabLst/>
+            </a:pPr>
+            <a:r>
+              <a:rPr lang="zh-CN" altLang="en-US" sz="1500" dirty="0"/>
+              <a:t>通过</a:t>
+            </a:r>
+            <a:r>
+              <a:rPr lang="en-US" altLang="zh-CN" sz="1500" dirty="0"/>
+              <a:t>localhost:9200/_cat/</a:t>
+            </a:r>
+            <a:r>
+              <a:rPr lang="en-US" altLang="zh-CN" sz="1500" dirty="0" err="1"/>
+              <a:t>thread_pool?v</a:t>
+            </a:r>
+            <a:r>
+              <a:rPr lang="en-US" altLang="zh-CN" sz="1500" dirty="0"/>
+              <a:t> </a:t>
+            </a:r>
+          </a:p>
+          <a:p>
+            <a:pPr marR="0" lvl="0" fontAlgn="base">
+              <a:lnSpc>
+                <a:spcPct val="150000"/>
+              </a:lnSpc>
+              <a:spcAft>
+                <a:spcPct val="0"/>
+              </a:spcAft>
+              <a:buSzTx/>
+              <a:tabLst/>
+            </a:pPr>
+            <a:r>
+              <a:rPr lang="zh-CN" altLang="en-US" sz="1500" dirty="0"/>
+              <a:t>行情</a:t>
+            </a:r>
+            <a:r>
+              <a:rPr lang="en-US" altLang="zh-CN" sz="1500" dirty="0" err="1"/>
+              <a:t>es</a:t>
+            </a:r>
+            <a:r>
+              <a:rPr lang="zh-CN" altLang="en-US" sz="1500" dirty="0"/>
+              <a:t>搜索效率低，导致队列满，发生大量的</a:t>
+            </a:r>
+            <a:r>
+              <a:rPr lang="en-US" altLang="zh-CN" sz="1500" dirty="0"/>
+              <a:t>reject error</a:t>
+            </a:r>
+            <a:r>
+              <a:rPr lang="zh-CN" altLang="en-US" sz="1500" dirty="0"/>
+              <a:t>。</a:t>
+            </a:r>
+          </a:p>
+          <a:p>
+            <a:pPr marR="0" lvl="0" fontAlgn="base">
+              <a:lnSpc>
+                <a:spcPct val="150000"/>
+              </a:lnSpc>
+              <a:spcAft>
+                <a:spcPct val="0"/>
+              </a:spcAft>
+              <a:buSzTx/>
+              <a:tabLst/>
+            </a:pPr>
+            <a:r>
+              <a:rPr lang="zh-CN" altLang="en-US" sz="1500" dirty="0"/>
+              <a:t>查看</a:t>
+            </a:r>
+            <a:r>
+              <a:rPr lang="en-US" altLang="zh-CN" sz="1500" dirty="0">
+                <a:hlinkClick r:id="rId2"/>
+              </a:rPr>
+              <a:t>http://localhost:9200/_</a:t>
+            </a:r>
+            <a:r>
+              <a:rPr lang="en-US" altLang="zh-CN" sz="1500" dirty="0" err="1">
+                <a:hlinkClick r:id="rId2"/>
+              </a:rPr>
+              <a:t>stats?pretty</a:t>
+            </a:r>
+            <a:r>
+              <a:rPr lang="en-US" altLang="zh-CN" sz="1500" dirty="0"/>
+              <a:t>’</a:t>
+            </a:r>
+            <a:r>
+              <a:rPr lang="zh-CN" altLang="en-US" sz="1500" dirty="0"/>
+              <a:t>，发现一个索引被大量搜索。 </a:t>
+            </a:r>
+          </a:p>
+          <a:p>
+            <a:pPr marR="0" lvl="0" fontAlgn="base">
+              <a:lnSpc>
+                <a:spcPct val="150000"/>
+              </a:lnSpc>
+              <a:spcAft>
+                <a:spcPct val="0"/>
+              </a:spcAft>
+              <a:buSzTx/>
+              <a:tabLst/>
+            </a:pPr>
+            <a:r>
+              <a:rPr lang="zh-CN" altLang="en-US" sz="1500" dirty="0"/>
+              <a:t>查看</a:t>
+            </a:r>
+            <a:r>
+              <a:rPr lang="en-US" altLang="zh-CN" sz="1500" dirty="0">
+                <a:hlinkClick r:id="rId3"/>
+              </a:rPr>
+              <a:t>http://localhost:9200/productindex/_segments?v</a:t>
+            </a:r>
+            <a:r>
+              <a:rPr lang="en-US" altLang="zh-CN" sz="1500" dirty="0"/>
+              <a:t>,</a:t>
+            </a:r>
+            <a:r>
+              <a:rPr lang="zh-CN" altLang="en-US" sz="1500" dirty="0"/>
+              <a:t>发现一个</a:t>
+            </a:r>
+            <a:r>
+              <a:rPr lang="en-US" altLang="zh-CN" sz="1500" dirty="0"/>
+              <a:t>70G+</a:t>
+            </a:r>
+            <a:r>
+              <a:rPr lang="zh-CN" altLang="en-US" sz="1500" dirty="0"/>
+              <a:t>的索引存在大量</a:t>
+            </a:r>
+            <a:r>
+              <a:rPr lang="en-US" altLang="zh-CN" sz="1500" dirty="0"/>
+              <a:t>segment</a:t>
+            </a:r>
+            <a:r>
+              <a:rPr lang="zh-CN" altLang="en-US" sz="1500" dirty="0"/>
+              <a:t>。</a:t>
+            </a:r>
+          </a:p>
+          <a:p>
+            <a:pPr marR="0" lvl="0" fontAlgn="base">
+              <a:lnSpc>
+                <a:spcPct val="150000"/>
+              </a:lnSpc>
+              <a:spcAft>
+                <a:spcPct val="0"/>
+              </a:spcAft>
+              <a:buSzTx/>
+              <a:tabLst/>
+            </a:pPr>
+            <a:r>
+              <a:rPr lang="zh-CN" altLang="en-US" sz="1500" dirty="0"/>
+              <a:t>进行</a:t>
+            </a:r>
+            <a:r>
+              <a:rPr lang="en-US" altLang="zh-CN" sz="1500" dirty="0"/>
+              <a:t>segment</a:t>
+            </a:r>
+            <a:r>
+              <a:rPr lang="zh-CN" altLang="en-US" sz="1500" dirty="0"/>
+              <a:t>合并，但是效果不佳</a:t>
+            </a:r>
+          </a:p>
+          <a:p>
+            <a:pPr marR="0" lvl="0" fontAlgn="base">
+              <a:lnSpc>
+                <a:spcPct val="150000"/>
+              </a:lnSpc>
+              <a:spcAft>
+                <a:spcPct val="0"/>
+              </a:spcAft>
+              <a:buSzTx/>
+              <a:tabLst/>
+            </a:pPr>
+            <a:r>
+              <a:rPr lang="zh-CN" altLang="en-US" sz="1500" dirty="0"/>
+              <a:t>查看</a:t>
+            </a:r>
+            <a:r>
+              <a:rPr lang="en-US" altLang="zh-CN" sz="1500" dirty="0" err="1"/>
+              <a:t>hotthread</a:t>
+            </a:r>
+            <a:r>
+              <a:rPr lang="zh-CN" altLang="en-US" sz="1500" dirty="0"/>
+              <a:t>，发现大量</a:t>
+            </a:r>
+            <a:r>
+              <a:rPr lang="en-US" altLang="zh-CN" sz="1500" dirty="0"/>
+              <a:t>search</a:t>
+            </a:r>
+            <a:r>
+              <a:rPr lang="zh-CN" altLang="en-US" sz="1500" dirty="0"/>
+              <a:t>慢查询</a:t>
+            </a:r>
+          </a:p>
+          <a:p>
+            <a:pPr marR="0" lvl="0" fontAlgn="base">
+              <a:lnSpc>
+                <a:spcPct val="150000"/>
+              </a:lnSpc>
+              <a:spcAft>
+                <a:spcPct val="0"/>
+              </a:spcAft>
+              <a:buSzTx/>
+              <a:tabLst/>
+            </a:pPr>
+            <a:r>
+              <a:rPr lang="zh-CN" altLang="en-US" sz="1500" dirty="0"/>
+              <a:t>查看慢查询日志，定位慢查询的具体搜索</a:t>
+            </a:r>
+            <a:r>
+              <a:rPr lang="en-US" altLang="zh-CN" sz="1500" dirty="0"/>
+              <a:t>request</a:t>
+            </a:r>
+            <a:r>
+              <a:rPr lang="zh-CN" altLang="en-US" sz="1500" dirty="0"/>
+              <a:t>。定位到问题</a:t>
+            </a:r>
+          </a:p>
+          <a:p>
+            <a:pPr marR="0" lvl="0" fontAlgn="base">
+              <a:lnSpc>
+                <a:spcPct val="150000"/>
+              </a:lnSpc>
+              <a:spcAft>
+                <a:spcPct val="0"/>
+              </a:spcAft>
+              <a:buSzTx/>
+              <a:tabLst/>
+            </a:pPr>
+            <a:r>
+              <a:rPr lang="zh-CN" altLang="en-US" sz="1500" dirty="0"/>
+              <a:t>需要确定什么搜索导致。</a:t>
+            </a:r>
+          </a:p>
+        </p:txBody>
+      </p:sp>
+    </p:spTree>
+    <p:extLst>
+      <p:ext uri="{BB962C8B-B14F-4D97-AF65-F5344CB8AC3E}">
+        <p14:creationId xmlns:p14="http://schemas.microsoft.com/office/powerpoint/2010/main" val="1447101881"/>
+      </p:ext>
+    </p:extLst>
+  </p:cSld>
+  <p:clrMapOvr>
+    <a:masterClrMapping/>
+  </p:clrMapOvr>
+  <mc:AlternateContent xmlns:mc="http://schemas.openxmlformats.org/markup-compatibility/2006" xmlns:p14="http://schemas.microsoft.com/office/powerpoint/2010/main">
+    <mc:Choice Requires="p14">
+      <p:transition spd="med" p14:dur="700">
+        <p:fade/>
+      </p:transition>
+    </mc:Choice>
+    <mc:Fallback xmlns="">
+      <p:transition spd="med">
+        <p:fade/>
+      </p:transition>
+    </mc:Fallback>
+  </mc:AlternateContent>
+</p:sld>
+</file>
+
+<file path=ppt/slides/slide33.xml><?xml version="1.0" encoding="utf-8"?>
+<p:sld xmlns:a="http://schemas.openxmlformats.org/drawingml/2006/main" xmlns:r="http://schemas.openxmlformats.org/officeDocument/2006/relationships" xmlns:p="http://schemas.openxmlformats.org/presentationml/2006/main">
+  <p:cSld>
+    <p:spTree>
+      <p:nvGrpSpPr>
+        <p:cNvPr id="1" name=""/>
+        <p:cNvGrpSpPr/>
+        <p:nvPr/>
+      </p:nvGrpSpPr>
+      <p:grpSpPr>
+        <a:xfrm>
+          <a:off x="0" y="0"/>
+          <a:ext cx="0" cy="0"/>
+          <a:chOff x="0" y="0"/>
+          <a:chExt cx="0" cy="0"/>
+        </a:xfrm>
+      </p:grpSpPr>
+      <p:sp>
+        <p:nvSpPr>
+          <p:cNvPr id="2" name="标题 1"/>
+          <p:cNvSpPr>
+            <a:spLocks noGrp="1"/>
+          </p:cNvSpPr>
+          <p:nvPr>
+            <p:ph type="title"/>
+          </p:nvPr>
+        </p:nvSpPr>
+        <p:spPr/>
+        <p:txBody>
+          <a:bodyPr>
+            <a:normAutofit fontScale="90000"/>
+          </a:bodyPr>
+          <a:lstStyle/>
+          <a:p>
+            <a:pPr lvl="0"/>
+            <a:r>
+              <a:rPr lang="zh-CN" altLang="zh-CN" b="1" dirty="0"/>
+              <a:t>实用工具</a:t>
+            </a:r>
+            <a:br>
+              <a:rPr lang="zh-CN" altLang="zh-CN" b="1" dirty="0"/>
+            </a:br>
+            <a:endParaRPr lang="zh-CN" altLang="en-US" dirty="0"/>
+          </a:p>
+        </p:txBody>
+      </p:sp>
+      <p:sp>
+        <p:nvSpPr>
+          <p:cNvPr id="3" name="内容占位符 2"/>
+          <p:cNvSpPr>
+            <a:spLocks noGrp="1"/>
+          </p:cNvSpPr>
+          <p:nvPr>
+            <p:ph sz="half" idx="1"/>
+          </p:nvPr>
+        </p:nvSpPr>
+        <p:spPr>
+          <a:xfrm>
+            <a:off x="1569700" y="1825625"/>
+            <a:ext cx="8889916" cy="4351338"/>
+          </a:xfrm>
+        </p:spPr>
+        <p:txBody>
+          <a:bodyPr/>
+          <a:lstStyle/>
+          <a:p>
+            <a:pPr>
+              <a:lnSpc>
+                <a:spcPct val="150000"/>
+              </a:lnSpc>
+            </a:pPr>
+            <a:r>
+              <a:rPr lang="en-US" altLang="zh-CN" sz="1500" dirty="0"/>
+              <a:t>ES</a:t>
+            </a:r>
+            <a:r>
+              <a:rPr lang="zh-CN" altLang="zh-CN" sz="1500" dirty="0"/>
+              <a:t>安全控制：</a:t>
+            </a:r>
+            <a:r>
+              <a:rPr lang="en-US" altLang="zh-CN" sz="1500" dirty="0" err="1"/>
+              <a:t>elasticsearch</a:t>
+            </a:r>
+            <a:r>
+              <a:rPr lang="en-US" altLang="zh-CN" sz="1500" dirty="0"/>
+              <a:t>-</a:t>
+            </a:r>
+            <a:r>
+              <a:rPr lang="en-US" altLang="zh-CN" sz="1500" dirty="0" err="1"/>
+              <a:t>auth</a:t>
+            </a:r>
+            <a:r>
+              <a:rPr lang="en-US" altLang="zh-CN" sz="1500" dirty="0"/>
+              <a:t>-http </a:t>
+            </a:r>
+            <a:r>
+              <a:rPr lang="zh-CN" altLang="zh-CN" sz="1500" dirty="0"/>
+              <a:t>数据修改操作需要验证用户名和密码的插件。</a:t>
+            </a:r>
+          </a:p>
+          <a:p>
+            <a:pPr>
+              <a:lnSpc>
+                <a:spcPct val="150000"/>
+              </a:lnSpc>
+            </a:pPr>
+            <a:r>
+              <a:rPr lang="en-US" altLang="zh-CN" sz="1500" dirty="0"/>
+              <a:t>ES</a:t>
+            </a:r>
+            <a:r>
+              <a:rPr lang="zh-CN" altLang="zh-CN" sz="1500" dirty="0"/>
+              <a:t>分词插件：</a:t>
+            </a:r>
+            <a:r>
+              <a:rPr lang="en-US" altLang="zh-CN" sz="1500" dirty="0"/>
+              <a:t>analysis-</a:t>
+            </a:r>
+            <a:r>
+              <a:rPr lang="en-US" altLang="zh-CN" sz="1500" dirty="0" err="1"/>
+              <a:t>ik</a:t>
+            </a:r>
+            <a:r>
+              <a:rPr lang="zh-CN" altLang="zh-CN" sz="1500" dirty="0"/>
+              <a:t>，</a:t>
+            </a:r>
+            <a:r>
+              <a:rPr lang="en-US" altLang="zh-CN" sz="1500" dirty="0" err="1"/>
+              <a:t>Elasticsearch</a:t>
+            </a:r>
+            <a:r>
+              <a:rPr lang="zh-CN" altLang="zh-CN" sz="1500" dirty="0"/>
+              <a:t>默认提供的分词器，会把每个汉字分开，不是我们想要的根据关键词来分词。</a:t>
+            </a:r>
+          </a:p>
+          <a:p>
+            <a:pPr>
+              <a:lnSpc>
+                <a:spcPct val="150000"/>
+              </a:lnSpc>
+            </a:pPr>
+            <a:r>
+              <a:rPr lang="en-US" altLang="zh-CN" sz="1500" dirty="0"/>
+              <a:t>ES</a:t>
+            </a:r>
+            <a:r>
+              <a:rPr lang="zh-CN" altLang="zh-CN" sz="1500" dirty="0"/>
+              <a:t>性能监控插件：</a:t>
+            </a:r>
+            <a:r>
+              <a:rPr lang="en-US" altLang="zh-CN" sz="1500" dirty="0" err="1"/>
+              <a:t>bigdesk</a:t>
+            </a:r>
+            <a:r>
+              <a:rPr lang="en-US" altLang="zh-CN" sz="1500" dirty="0"/>
+              <a:t> http://10.8.24.96:9200/_plugin/bigdesk/</a:t>
+            </a:r>
+            <a:endParaRPr lang="zh-CN" altLang="zh-CN" sz="1500" dirty="0"/>
+          </a:p>
+          <a:p>
+            <a:pPr>
+              <a:lnSpc>
+                <a:spcPct val="150000"/>
+              </a:lnSpc>
+            </a:pPr>
+            <a:r>
+              <a:rPr lang="en-US" altLang="zh-CN" sz="1500" dirty="0"/>
+              <a:t>ES</a:t>
+            </a:r>
+            <a:r>
+              <a:rPr lang="zh-CN" altLang="zh-CN" sz="1500" dirty="0"/>
+              <a:t>集群管理插件：</a:t>
+            </a:r>
+            <a:r>
+              <a:rPr lang="en-US" altLang="zh-CN" sz="1500" dirty="0"/>
+              <a:t>head http://10.8.24.96:9200/_plugin/head/</a:t>
+            </a:r>
+            <a:endParaRPr lang="zh-CN" altLang="zh-CN" sz="1500" dirty="0"/>
+          </a:p>
+          <a:p>
+            <a:endParaRPr lang="zh-CN" altLang="en-US" dirty="0"/>
+          </a:p>
+        </p:txBody>
+      </p:sp>
+    </p:spTree>
+    <p:extLst>
+      <p:ext uri="{BB962C8B-B14F-4D97-AF65-F5344CB8AC3E}">
+        <p14:creationId xmlns:p14="http://schemas.microsoft.com/office/powerpoint/2010/main" val="1439233303"/>
+      </p:ext>
+    </p:extLst>
+  </p:cSld>
+  <p:clrMapOvr>
+    <a:masterClrMapping/>
+  </p:clrMapOvr>
+  <mc:AlternateContent xmlns:mc="http://schemas.openxmlformats.org/markup-compatibility/2006" xmlns:p14="http://schemas.microsoft.com/office/powerpoint/2010/main">
+    <mc:Choice Requires="p14">
+      <p:transition spd="med" p14:dur="700">
+        <p:fade/>
+      </p:transition>
+    </mc:Choice>
+    <mc:Fallback xmlns="">
+      <p:transition spd="med">
+        <p:fade/>
+      </p:transition>
+    </mc:Fallback>
+  </mc:AlternateContent>
+</p:sld>
+</file>
+
+<file path=ppt/slides/slide34.xml><?xml version="1.0" encoding="utf-8"?>
 <p:sld xmlns:a="http://schemas.openxmlformats.org/drawingml/2006/main" xmlns:r="http://schemas.openxmlformats.org/officeDocument/2006/relationships" xmlns:p="http://schemas.openxmlformats.org/presentationml/2006/main">
   <p:cSld>
     <p:spTree>
@@ -24251,15 +24839,6 @@
 </file>
 
 <file path=customXml/item1.xml><?xml version="1.0" encoding="utf-8"?>
-<?mso-contentType ?>
-<FormTemplates xmlns="http://schemas.microsoft.com/sharepoint/v3/contenttype/forms">
-  <Display>DocumentLibraryForm</Display>
-  <Edit>DocumentLibraryForm</Edit>
-  <New>DocumentLibraryForm</New>
-</FormTemplates>
-</file>
-
-<file path=customXml/item2.xml><?xml version="1.0" encoding="utf-8"?>
 <ct:contentTypeSchema xmlns:ct="http://schemas.microsoft.com/office/2006/metadata/contentType" xmlns:ma="http://schemas.microsoft.com/office/2006/metadata/properties/metaAttributes" ct:_="" ma:_="" ma:contentTypeName="Document" ma:contentTypeID="0x010100AA3F7D94069FF64A86F7DFF56D60E3BE" ma:contentTypeVersion="6" ma:contentTypeDescription="Create a new document." ma:contentTypeScope="" ma:versionID="c32302c77d4085ecf495bdddb7f5e889">
   <xsd:schema xmlns:xsd="http://www.w3.org/2001/XMLSchema" xmlns:xs="http://www.w3.org/2001/XMLSchema" xmlns:p="http://schemas.microsoft.com/office/2006/metadata/properties" xmlns:ns2="a4f35948-e619-41b3-aa29-22878b09cfd2" xmlns:ns3="40262f94-9f35-4ac3-9a90-690165a166b7" targetNamespace="http://schemas.microsoft.com/office/2006/metadata/properties" ma:root="true" ma:fieldsID="4ab5ae46be95f9d0be6107e8200be7a2" ns2:_="" ns3:_="">
     <xsd:import namespace="a4f35948-e619-41b3-aa29-22878b09cfd2"/>
@@ -24440,6 +25019,15 @@
 </ct:contentTypeSchema>
 </file>
 
+<file path=customXml/item2.xml><?xml version="1.0" encoding="utf-8"?>
+<?mso-contentType ?>
+<FormTemplates xmlns="http://schemas.microsoft.com/sharepoint/v3/contenttype/forms">
+  <Display>DocumentLibraryForm</Display>
+  <Edit>DocumentLibraryForm</Edit>
+  <New>DocumentLibraryForm</New>
+</FormTemplates>
+</file>
+
 <file path=customXml/item3.xml><?xml version="1.0" encoding="utf-8"?>
 <p:properties xmlns:p="http://schemas.microsoft.com/office/2006/metadata/properties" xmlns:xsi="http://www.w3.org/2001/XMLSchema-instance" xmlns:pc="http://schemas.microsoft.com/office/infopath/2007/PartnerControls">
   <documentManagement>
@@ -24452,14 +25040,6 @@
 </file>
 
 <file path=customXml/itemProps1.xml><?xml version="1.0" encoding="utf-8"?>
-<ds:datastoreItem xmlns:ds="http://schemas.openxmlformats.org/officeDocument/2006/customXml" ds:itemID="{B024FD56-CE1B-42FC-9E83-BFBF160724C6}">
-  <ds:schemaRefs>
-    <ds:schemaRef ds:uri="http://schemas.microsoft.com/sharepoint/v3/contenttype/forms"/>
-  </ds:schemaRefs>
-</ds:datastoreItem>
-</file>
-
-<file path=customXml/itemProps2.xml><?xml version="1.0" encoding="utf-8"?>
 <ds:datastoreItem xmlns:ds="http://schemas.openxmlformats.org/officeDocument/2006/customXml" ds:itemID="{6253D857-4181-4777-8893-6E45A690F9F7}">
   <ds:schemaRefs>
     <ds:schemaRef ds:uri="http://schemas.microsoft.com/office/2006/metadata/contentType"/>
@@ -24474,6 +25054,14 @@
     <ds:schemaRef ds:uri="http://purl.org/dc/elements/1.1/"/>
     <ds:schemaRef ds:uri="http://purl.org/dc/terms/"/>
     <ds:schemaRef ds:uri="http://schemas.microsoft.com/internal/obd"/>
+  </ds:schemaRefs>
+</ds:datastoreItem>
+</file>
+
+<file path=customXml/itemProps2.xml><?xml version="1.0" encoding="utf-8"?>
+<ds:datastoreItem xmlns:ds="http://schemas.openxmlformats.org/officeDocument/2006/customXml" ds:itemID="{B024FD56-CE1B-42FC-9E83-BFBF160724C6}">
+  <ds:schemaRefs>
+    <ds:schemaRef ds:uri="http://schemas.microsoft.com/sharepoint/v3/contenttype/forms"/>
   </ds:schemaRefs>
 </ds:datastoreItem>
 </file>
